--- a/bh_s/sort/정렬.pptx
+++ b/bh_s/sort/정렬.pptx
@@ -5,7 +5,7 @@
     <p:sldMasterId id="2147483709" r:id="rId1"/>
   </p:sldMasterIdLst>
   <p:notesMasterIdLst>
-    <p:notesMasterId r:id="rId19"/>
+    <p:notesMasterId r:id="rId20"/>
   </p:notesMasterIdLst>
   <p:sldIdLst>
     <p:sldId id="256" r:id="rId2"/>
@@ -24,7 +24,8 @@
     <p:sldId id="270" r:id="rId15"/>
     <p:sldId id="271" r:id="rId16"/>
     <p:sldId id="272" r:id="rId17"/>
-    <p:sldId id="273" r:id="rId18"/>
+    <p:sldId id="274" r:id="rId18"/>
+    <p:sldId id="273" r:id="rId19"/>
   </p:sldIdLst>
   <p:sldSz cx="12192000" cy="6858000"/>
   <p:notesSz cx="6858000" cy="9144000"/>
@@ -629,7 +630,7 @@
           <a:p>
             <a:fld id="{FFA82425-BC60-486D-B472-87AB7E484CD7}" type="slidenum">
               <a:rPr lang="ko-KR" altLang="en-US" smtClean="0"/>
-              <a:t>17</a:t>
+              <a:t>18</a:t>
             </a:fld>
             <a:endParaRPr lang="ko-KR" altLang="en-US"/>
           </a:p>
@@ -7370,6 +7371,72 @@
 <file path=ppt/slides/slide17.xml><?xml version="1.0" encoding="utf-8"?>
 <p:sld xmlns:a="http://schemas.openxmlformats.org/drawingml/2006/main" xmlns:r="http://schemas.openxmlformats.org/officeDocument/2006/relationships" xmlns:p="http://schemas.openxmlformats.org/presentationml/2006/main">
   <p:cSld>
+    <p:spTree>
+      <p:nvGrpSpPr>
+        <p:cNvPr id="1" name=""/>
+        <p:cNvGrpSpPr/>
+        <p:nvPr/>
+      </p:nvGrpSpPr>
+      <p:grpSpPr>
+        <a:xfrm>
+          <a:off x="0" y="0"/>
+          <a:ext cx="0" cy="0"/>
+          <a:chOff x="0" y="0"/>
+          <a:chExt cx="0" cy="0"/>
+        </a:xfrm>
+      </p:grpSpPr>
+      <p:pic>
+        <p:nvPicPr>
+          <p:cNvPr id="3" name="그림 2" descr="텍스트, 스크린샷, 폰트이(가) 표시된 사진&#10;&#10;AI가 생성한 콘텐츠는 부정확할 수 있습니다.">
+            <a:extLst>
+              <a:ext uri="{FF2B5EF4-FFF2-40B4-BE49-F238E27FC236}">
+                <a16:creationId xmlns:a16="http://schemas.microsoft.com/office/drawing/2014/main" id="{A6F2CE30-BF47-A3D1-110C-DCCA92494C06}"/>
+              </a:ext>
+            </a:extLst>
+          </p:cNvPr>
+          <p:cNvPicPr>
+            <a:picLocks noChangeAspect="1"/>
+          </p:cNvPicPr>
+          <p:nvPr/>
+        </p:nvPicPr>
+        <p:blipFill>
+          <a:blip r:embed="rId2">
+            <a:extLst>
+              <a:ext uri="{28A0092B-C50C-407E-A947-70E740481C1C}">
+                <a14:useLocalDpi xmlns:a14="http://schemas.microsoft.com/office/drawing/2010/main" val="0"/>
+              </a:ext>
+            </a:extLst>
+          </a:blip>
+          <a:stretch>
+            <a:fillRect/>
+          </a:stretch>
+        </p:blipFill>
+        <p:spPr>
+          <a:xfrm>
+            <a:off x="-1" y="0"/>
+            <a:ext cx="12325612" cy="6858000"/>
+          </a:xfrm>
+          <a:prstGeom prst="rect">
+            <a:avLst/>
+          </a:prstGeom>
+        </p:spPr>
+      </p:pic>
+    </p:spTree>
+    <p:extLst>
+      <p:ext uri="{BB962C8B-B14F-4D97-AF65-F5344CB8AC3E}">
+        <p14:creationId xmlns:p14="http://schemas.microsoft.com/office/powerpoint/2010/main" val="3045808159"/>
+      </p:ext>
+    </p:extLst>
+  </p:cSld>
+  <p:clrMapOvr>
+    <a:masterClrMapping/>
+  </p:clrMapOvr>
+</p:sld>
+</file>
+
+<file path=ppt/slides/slide18.xml><?xml version="1.0" encoding="utf-8"?>
+<p:sld xmlns:a="http://schemas.openxmlformats.org/drawingml/2006/main" xmlns:r="http://schemas.openxmlformats.org/officeDocument/2006/relationships" xmlns:p="http://schemas.openxmlformats.org/presentationml/2006/main">
+  <p:cSld>
     <p:bg>
       <p:bgPr>
         <a:solidFill>
@@ -7452,36 +7519,269 @@
           </a:p>
         </p:txBody>
       </p:sp>
-      <p:pic>
-        <p:nvPicPr>
-          <p:cNvPr id="5" name="그림 4">
-            <a:extLst>
-              <a:ext uri="{FF2B5EF4-FFF2-40B4-BE49-F238E27FC236}">
-                <a16:creationId xmlns:a16="http://schemas.microsoft.com/office/drawing/2014/main" id="{A6491408-C79C-8FD0-D623-D76A7C5F85B9}"/>
-              </a:ext>
-            </a:extLst>
-          </p:cNvPr>
-          <p:cNvPicPr>
-            <a:picLocks noChangeAspect="1"/>
-          </p:cNvPicPr>
+      <p:sp>
+        <p:nvSpPr>
+          <p:cNvPr id="2" name="TextBox 1">
+            <a:extLst>
+              <a:ext uri="{FF2B5EF4-FFF2-40B4-BE49-F238E27FC236}">
+                <a16:creationId xmlns:a16="http://schemas.microsoft.com/office/drawing/2014/main" id="{6F11048B-6758-B968-8E17-4EBCBCA037FB}"/>
+              </a:ext>
+            </a:extLst>
+          </p:cNvPr>
+          <p:cNvSpPr txBox="1"/>
           <p:nvPr/>
-        </p:nvPicPr>
-        <p:blipFill>
-          <a:blip r:embed="rId3"/>
-          <a:stretch>
-            <a:fillRect/>
-          </a:stretch>
-        </p:blipFill>
+        </p:nvSpPr>
         <p:spPr>
           <a:xfrm>
-            <a:off x="1575516" y="145060"/>
-            <a:ext cx="9040968" cy="6567878"/>
+            <a:off x="1903956" y="1315233"/>
+            <a:ext cx="8580329" cy="4401205"/>
           </a:xfrm>
           <a:prstGeom prst="rect">
             <a:avLst/>
           </a:prstGeom>
+          <a:noFill/>
         </p:spPr>
-      </p:pic>
+        <p:txBody>
+          <a:bodyPr wrap="square" rtlCol="0">
+            <a:spAutoFit/>
+          </a:bodyPr>
+          <a:lstStyle/>
+          <a:p>
+            <a:r>
+              <a:rPr lang="ko-KR" altLang="en-US" sz="2000" dirty="0"/>
+              <a:t>마치기 전 부가 정보</a:t>
+            </a:r>
+            <a:r>
+              <a:rPr lang="en-US" altLang="ko-KR" sz="2000" dirty="0"/>
+              <a:t>)</a:t>
+            </a:r>
+          </a:p>
+          <a:p>
+            <a:endParaRPr lang="en-US" altLang="ko-KR" sz="2000" dirty="0"/>
+          </a:p>
+          <a:p>
+            <a:r>
+              <a:rPr lang="ko-KR" altLang="en-US" sz="2000" dirty="0"/>
+              <a:t>그럼 </a:t>
+            </a:r>
+            <a:r>
+              <a:rPr lang="ko-KR" altLang="en-US" sz="2000" dirty="0" err="1"/>
+              <a:t>파이썬의</a:t>
+            </a:r>
+            <a:r>
+              <a:rPr lang="ko-KR" altLang="en-US" sz="2000" dirty="0"/>
+              <a:t> 내장 함수에서 쓰는 정렬은</a:t>
+            </a:r>
+            <a:r>
+              <a:rPr lang="en-US" altLang="ko-KR" sz="2000" dirty="0"/>
+              <a:t>???</a:t>
+            </a:r>
+          </a:p>
+          <a:p>
+            <a:r>
+              <a:rPr lang="en-US" altLang="ko-KR" sz="2000" dirty="0"/>
+              <a:t> - </a:t>
+            </a:r>
+            <a:r>
+              <a:rPr lang="ko-KR" altLang="en-US" sz="2000" dirty="0"/>
+              <a:t>병합</a:t>
+            </a:r>
+            <a:r>
+              <a:rPr lang="en-US" altLang="ko-KR" sz="2000" dirty="0"/>
+              <a:t>(merge)  </a:t>
+            </a:r>
+            <a:r>
+              <a:rPr lang="ko-KR" altLang="en-US" sz="2000" dirty="0"/>
+              <a:t>정렬과 삽입</a:t>
+            </a:r>
+            <a:r>
+              <a:rPr lang="en-US" altLang="ko-KR" sz="2000" dirty="0"/>
+              <a:t>(insertion)</a:t>
+            </a:r>
+            <a:r>
+              <a:rPr lang="ko-KR" altLang="en-US" sz="2000" dirty="0"/>
+              <a:t>을 조합한 </a:t>
+            </a:r>
+            <a:r>
+              <a:rPr lang="en-US" altLang="ko-KR" sz="2000" dirty="0"/>
+              <a:t>‘</a:t>
+            </a:r>
+            <a:r>
+              <a:rPr lang="ko-KR" altLang="en-US" sz="2000" dirty="0"/>
+              <a:t>팀 정렬</a:t>
+            </a:r>
+            <a:r>
+              <a:rPr lang="en-US" altLang="ko-KR" sz="2000" dirty="0"/>
+              <a:t>’ </a:t>
+            </a:r>
+            <a:r>
+              <a:rPr lang="ko-KR" altLang="en-US" sz="2000" dirty="0"/>
+              <a:t>하이브리드 정렬</a:t>
+            </a:r>
+            <a:r>
+              <a:rPr lang="en-US" altLang="ko-KR" sz="2000" dirty="0"/>
+              <a:t>.</a:t>
+            </a:r>
+          </a:p>
+          <a:p>
+            <a:endParaRPr lang="en-US" altLang="ko-KR" sz="2000" dirty="0"/>
+          </a:p>
+          <a:p>
+            <a:r>
+              <a:rPr lang="ko-KR" altLang="en-US" sz="2000" dirty="0"/>
+              <a:t>둘 다 </a:t>
+            </a:r>
+            <a:r>
+              <a:rPr lang="en-US" altLang="ko-KR" sz="2000" dirty="0"/>
+              <a:t>‘</a:t>
+            </a:r>
+            <a:r>
+              <a:rPr lang="ko-KR" altLang="en-US" sz="2000" dirty="0"/>
+              <a:t>팀 정렬</a:t>
+            </a:r>
+            <a:r>
+              <a:rPr lang="en-US" altLang="ko-KR" sz="2000" dirty="0"/>
+              <a:t>’ </a:t>
+            </a:r>
+            <a:r>
+              <a:rPr lang="ko-KR" altLang="en-US" sz="2000" dirty="0"/>
+              <a:t>사용</a:t>
+            </a:r>
+            <a:r>
+              <a:rPr lang="en-US" altLang="ko-KR" sz="2000" dirty="0"/>
+              <a:t>. </a:t>
+            </a:r>
+            <a:r>
+              <a:rPr lang="ko-KR" altLang="en-US" sz="2000" dirty="0"/>
+              <a:t>안정성을 가지고 있음</a:t>
+            </a:r>
+            <a:r>
+              <a:rPr lang="en-US" altLang="ko-KR" sz="2000" dirty="0"/>
+              <a:t>(</a:t>
+            </a:r>
+            <a:r>
+              <a:rPr lang="ko-KR" altLang="en-US" sz="2000" dirty="0"/>
+              <a:t>동일한 값 순서 변경 </a:t>
+            </a:r>
+            <a:r>
+              <a:rPr lang="en-US" altLang="ko-KR" sz="2000" dirty="0"/>
+              <a:t>X)</a:t>
+            </a:r>
+          </a:p>
+          <a:p>
+            <a:r>
+              <a:rPr lang="ko-KR" altLang="en-US" sz="2000" dirty="0"/>
+              <a:t>이미 정렬 된 경우 성능이 뛰어남</a:t>
+            </a:r>
+            <a:r>
+              <a:rPr lang="en-US" altLang="ko-KR" sz="2000" dirty="0"/>
+              <a:t> (</a:t>
+            </a:r>
+            <a:r>
+              <a:rPr lang="ko-KR" altLang="en-US" sz="2000" dirty="0"/>
+              <a:t>삽입 정렬의 특징을 가짐</a:t>
+            </a:r>
+            <a:r>
+              <a:rPr lang="en-US" altLang="ko-KR" sz="2000" dirty="0"/>
+              <a:t>)</a:t>
+            </a:r>
+          </a:p>
+          <a:p>
+            <a:endParaRPr lang="en-US" altLang="ko-KR" sz="2000" dirty="0"/>
+          </a:p>
+          <a:p>
+            <a:endParaRPr lang="en-US" altLang="ko-KR" sz="2000" dirty="0"/>
+          </a:p>
+          <a:p>
+            <a:r>
+              <a:rPr lang="en-US" altLang="ko-KR" sz="2000" dirty="0"/>
+              <a:t>Sorted () : </a:t>
+            </a:r>
+            <a:r>
+              <a:rPr lang="ko-KR" altLang="en-US" sz="2000" dirty="0"/>
+              <a:t>새로운 정렬된 리스트를 반환</a:t>
+            </a:r>
+            <a:r>
+              <a:rPr lang="en-US" altLang="ko-KR" sz="2000" dirty="0"/>
+              <a:t>. </a:t>
+            </a:r>
+            <a:r>
+              <a:rPr lang="ko-KR" altLang="en-US" sz="2000" dirty="0"/>
+              <a:t>원래의 리스트는 변경 </a:t>
+            </a:r>
+            <a:r>
+              <a:rPr lang="en-US" altLang="ko-KR" sz="2000" dirty="0"/>
+              <a:t>X</a:t>
+            </a:r>
+          </a:p>
+          <a:p>
+            <a:endParaRPr lang="en-US" altLang="ko-KR" sz="2000" dirty="0"/>
+          </a:p>
+          <a:p>
+            <a:r>
+              <a:rPr lang="en-US" altLang="ko-KR" sz="2000" dirty="0"/>
+              <a:t>Sort() : </a:t>
+            </a:r>
+            <a:r>
+              <a:rPr lang="ko-KR" altLang="en-US" sz="2000" dirty="0"/>
+              <a:t>리스트에서만 사용되며</a:t>
+            </a:r>
+            <a:r>
+              <a:rPr lang="en-US" altLang="ko-KR" sz="2000" dirty="0"/>
+              <a:t>, </a:t>
+            </a:r>
+            <a:r>
+              <a:rPr lang="ko-KR" altLang="en-US" sz="2000" dirty="0"/>
+              <a:t>해당 리스트 자체를 정렬</a:t>
+            </a:r>
+            <a:r>
+              <a:rPr lang="en-US" altLang="ko-KR" sz="2000" dirty="0"/>
+              <a:t>. </a:t>
+            </a:r>
+            <a:r>
+              <a:rPr lang="ko-KR" altLang="en-US" sz="2000" dirty="0" err="1"/>
+              <a:t>반환값은</a:t>
+            </a:r>
+            <a:r>
+              <a:rPr lang="ko-KR" altLang="en-US" sz="2000" dirty="0"/>
+              <a:t> </a:t>
+            </a:r>
+            <a:r>
+              <a:rPr lang="en-US" altLang="ko-KR" sz="2000" dirty="0"/>
+              <a:t>None</a:t>
+            </a:r>
+          </a:p>
+          <a:p>
+            <a:endParaRPr lang="en-US" altLang="ko-KR" sz="2000" dirty="0"/>
+          </a:p>
+          <a:p>
+            <a:r>
+              <a:rPr lang="ko-KR" altLang="en-US" sz="2000">
+                <a:solidFill>
+                  <a:srgbClr val="0070C0"/>
+                </a:solidFill>
+              </a:rPr>
+              <a:t>시간 </a:t>
+            </a:r>
+            <a:r>
+              <a:rPr lang="ko-KR" altLang="en-US" sz="2000" dirty="0">
+                <a:solidFill>
+                  <a:srgbClr val="0070C0"/>
+                </a:solidFill>
+              </a:rPr>
+              <a:t>복잡도 </a:t>
+            </a:r>
+            <a:r>
+              <a:rPr lang="en-US" altLang="ko-KR" sz="2000" dirty="0">
+                <a:solidFill>
+                  <a:srgbClr val="0070C0"/>
+                </a:solidFill>
+              </a:rPr>
+              <a:t>O(n log n) </a:t>
+            </a:r>
+          </a:p>
+        </p:txBody>
+      </p:sp>
     </p:spTree>
     <p:extLst>
       <p:ext uri="{BB962C8B-B14F-4D97-AF65-F5344CB8AC3E}">
@@ -8391,8 +8691,8 @@
           </a:p>
         </p:txBody>
       </p:sp>
-      <mc:AlternateContent xmlns:mc="http://schemas.openxmlformats.org/markup-compatibility/2006">
-        <mc:Choice xmlns:a14="http://schemas.microsoft.com/office/drawing/2010/main" Requires="a14">
+      <mc:AlternateContent xmlns:mc="http://schemas.openxmlformats.org/markup-compatibility/2006" xmlns:a14="http://schemas.microsoft.com/office/drawing/2010/main">
+        <mc:Choice Requires="a14">
           <p:sp>
             <p:nvSpPr>
               <p:cNvPr id="10" name="Content Placeholder 9">
@@ -8632,7 +8932,7 @@
             </p:txBody>
           </p:sp>
         </mc:Choice>
-        <mc:Fallback>
+        <mc:Fallback xmlns="">
           <p:sp>
             <p:nvSpPr>
               <p:cNvPr id="10" name="Content Placeholder 9">
@@ -9499,8 +9799,8 @@
           </a:p>
         </p:txBody>
       </p:sp>
-      <mc:AlternateContent xmlns:mc="http://schemas.openxmlformats.org/markup-compatibility/2006">
-        <mc:Choice xmlns:a14="http://schemas.microsoft.com/office/drawing/2010/main" Requires="a14">
+      <mc:AlternateContent xmlns:mc="http://schemas.openxmlformats.org/markup-compatibility/2006" xmlns:a14="http://schemas.microsoft.com/office/drawing/2010/main">
+        <mc:Choice Requires="a14">
           <p:sp>
             <p:nvSpPr>
               <p:cNvPr id="10" name="Content Placeholder 9">
@@ -9770,7 +10070,7 @@
             </p:txBody>
           </p:sp>
         </mc:Choice>
-        <mc:Fallback>
+        <mc:Fallback xmlns="">
           <p:sp>
             <p:nvSpPr>
               <p:cNvPr id="10" name="Content Placeholder 9">
@@ -10938,8 +11238,8 @@
           </a:p>
         </p:txBody>
       </p:sp>
-      <mc:AlternateContent xmlns:mc="http://schemas.openxmlformats.org/markup-compatibility/2006">
-        <mc:Choice xmlns:a14="http://schemas.microsoft.com/office/drawing/2010/main" Requires="a14">
+      <mc:AlternateContent xmlns:mc="http://schemas.openxmlformats.org/markup-compatibility/2006" xmlns:a14="http://schemas.microsoft.com/office/drawing/2010/main">
+        <mc:Choice Requires="a14">
           <p:sp>
             <p:nvSpPr>
               <p:cNvPr id="10" name="Content Placeholder 9">
@@ -11370,7 +11670,7 @@
             </p:txBody>
           </p:sp>
         </mc:Choice>
-        <mc:Fallback>
+        <mc:Fallback xmlns="">
           <p:sp>
             <p:nvSpPr>
               <p:cNvPr id="10" name="Content Placeholder 9">
